--- a/Document/16_01/ThuyetTrinh.pptx
+++ b/Document/16_01/ThuyetTrinh.pptx
@@ -5,7 +5,7 @@
     <p:sldMasterId id="2147483701" r:id="rId1"/>
   </p:sldMasterIdLst>
   <p:notesMasterIdLst>
-    <p:notesMasterId r:id="rId34"/>
+    <p:notesMasterId r:id="rId32"/>
   </p:notesMasterIdLst>
   <p:sldIdLst>
     <p:sldId id="256" r:id="rId2"/>
@@ -34,12 +34,10 @@
     <p:sldId id="315" r:id="rId25"/>
     <p:sldId id="316" r:id="rId26"/>
     <p:sldId id="317" r:id="rId27"/>
-    <p:sldId id="318" r:id="rId28"/>
-    <p:sldId id="319" r:id="rId29"/>
-    <p:sldId id="320" r:id="rId30"/>
-    <p:sldId id="321" r:id="rId31"/>
-    <p:sldId id="322" r:id="rId32"/>
-    <p:sldId id="294" r:id="rId33"/>
+    <p:sldId id="319" r:id="rId28"/>
+    <p:sldId id="320" r:id="rId29"/>
+    <p:sldId id="321" r:id="rId30"/>
+    <p:sldId id="294" r:id="rId31"/>
   </p:sldIdLst>
   <p:sldSz cx="9144000" cy="6858000" type="screen4x3"/>
   <p:notesSz cx="6858000" cy="9144000"/>
@@ -336,11 +334,11 @@
           <c:showBubbleSize val="0"/>
         </c:dLbls>
         <c:gapWidth val="150"/>
-        <c:axId val="182939008"/>
-        <c:axId val="182940800"/>
+        <c:axId val="219721728"/>
+        <c:axId val="219723264"/>
       </c:barChart>
       <c:catAx>
-        <c:axId val="182939008"/>
+        <c:axId val="219721728"/>
         <c:scaling>
           <c:orientation val="minMax"/>
         </c:scaling>
@@ -368,7 +366,7 @@
             <a:endParaRPr lang="en-US"/>
           </a:p>
         </c:txPr>
-        <c:crossAx val="182940800"/>
+        <c:crossAx val="219723264"/>
         <c:crosses val="autoZero"/>
         <c:auto val="1"/>
         <c:lblAlgn val="ctr"/>
@@ -376,7 +374,7 @@
         <c:noMultiLvlLbl val="0"/>
       </c:catAx>
       <c:valAx>
-        <c:axId val="182940800"/>
+        <c:axId val="219723264"/>
         <c:scaling>
           <c:orientation val="minMax"/>
         </c:scaling>
@@ -424,7 +422,7 @@
             <a:endParaRPr lang="en-US"/>
           </a:p>
         </c:txPr>
-        <c:crossAx val="182939008"/>
+        <c:crossAx val="219721728"/>
         <c:crosses val="autoZero"/>
         <c:crossBetween val="between"/>
       </c:valAx>
@@ -675,11 +673,11 @@
           <c:showBubbleSize val="0"/>
         </c:dLbls>
         <c:gapWidth val="150"/>
-        <c:axId val="183432320"/>
-        <c:axId val="183433856"/>
+        <c:axId val="219743744"/>
+        <c:axId val="219745280"/>
       </c:barChart>
       <c:catAx>
-        <c:axId val="183432320"/>
+        <c:axId val="219743744"/>
         <c:scaling>
           <c:orientation val="minMax"/>
         </c:scaling>
@@ -716,7 +714,7 @@
             <a:endParaRPr lang="en-US"/>
           </a:p>
         </c:txPr>
-        <c:crossAx val="183433856"/>
+        <c:crossAx val="219745280"/>
         <c:crosses val="autoZero"/>
         <c:auto val="1"/>
         <c:lblAlgn val="ctr"/>
@@ -724,7 +722,7 @@
         <c:noMultiLvlLbl val="0"/>
       </c:catAx>
       <c:valAx>
-        <c:axId val="183433856"/>
+        <c:axId val="219745280"/>
         <c:scaling>
           <c:orientation val="minMax"/>
         </c:scaling>
@@ -772,7 +770,7 @@
             <a:endParaRPr lang="en-US"/>
           </a:p>
         </c:txPr>
-        <c:crossAx val="183432320"/>
+        <c:crossAx val="219743744"/>
         <c:crosses val="autoZero"/>
         <c:crossBetween val="between"/>
       </c:valAx>
@@ -892,7 +890,7 @@
           <a:p>
             <a:fld id="{479263C4-564D-4648-8085-A0505A8FE965}" type="datetimeFigureOut">
               <a:rPr lang="en-US" smtClean="0"/>
-              <a:t>14/01/2021</a:t>
+              <a:t>15/01/2021</a:t>
             </a:fld>
             <a:endParaRPr lang="en-US"/>
           </a:p>
@@ -3453,7 +3451,7 @@
           </a:bodyPr>
           <a:lstStyle/>
           <a:p>
-            <a:pPr>
+            <a:pPr algn="just">
               <a:lnSpc>
                 <a:spcPct val="150000"/>
               </a:lnSpc>
@@ -3520,7 +3518,7 @@
             </a:r>
           </a:p>
           <a:p>
-            <a:pPr marL="342900" indent="-342900">
+            <a:pPr marL="342900" indent="-342900" algn="just">
               <a:lnSpc>
                 <a:spcPct val="150000"/>
               </a:lnSpc>
@@ -3598,7 +3596,7 @@
             </a:endParaRPr>
           </a:p>
           <a:p>
-            <a:pPr marL="342900" indent="-342900">
+            <a:pPr marL="342900" indent="-342900" algn="just">
               <a:lnSpc>
                 <a:spcPct val="150000"/>
               </a:lnSpc>
@@ -3652,7 +3650,7 @@
             </a:endParaRPr>
           </a:p>
           <a:p>
-            <a:pPr marL="342900" indent="-342900">
+            <a:pPr marL="342900" indent="-342900" algn="just">
               <a:lnSpc>
                 <a:spcPct val="150000"/>
               </a:lnSpc>
@@ -4605,7 +4603,7 @@
           </a:bodyPr>
           <a:lstStyle/>
           <a:p>
-            <a:pPr marL="342900" indent="-342900">
+            <a:pPr marL="342900" indent="-342900" algn="just">
               <a:lnSpc>
                 <a:spcPct val="200000"/>
               </a:lnSpc>
@@ -4626,7 +4624,7 @@
             </a:r>
           </a:p>
           <a:p>
-            <a:pPr marL="342900" indent="-342900">
+            <a:pPr marL="342900" indent="-342900" algn="just">
               <a:lnSpc>
                 <a:spcPct val="200000"/>
               </a:lnSpc>
@@ -4659,7 +4657,7 @@
             </a:r>
           </a:p>
           <a:p>
-            <a:pPr marL="342900" indent="-342900">
+            <a:pPr marL="342900" indent="-342900" algn="just">
               <a:lnSpc>
                 <a:spcPct val="200000"/>
               </a:lnSpc>
@@ -4689,7 +4687,7 @@
             </a:endParaRPr>
           </a:p>
           <a:p>
-            <a:pPr marL="342900" indent="-342900">
+            <a:pPr marL="342900" indent="-342900" algn="just">
               <a:lnSpc>
                 <a:spcPct val="200000"/>
               </a:lnSpc>
@@ -4710,7 +4708,7 @@
             </a:r>
           </a:p>
           <a:p>
-            <a:pPr marL="342900" indent="-342900">
+            <a:pPr marL="342900" indent="-342900" algn="just">
               <a:lnSpc>
                 <a:spcPct val="200000"/>
               </a:lnSpc>
@@ -4924,7 +4922,7 @@
           </a:bodyPr>
           <a:lstStyle/>
           <a:p>
-            <a:pPr marL="342900" indent="-342900">
+            <a:pPr marL="342900" indent="-342900" algn="just">
               <a:lnSpc>
                 <a:spcPct val="150000"/>
               </a:lnSpc>
@@ -5050,7 +5048,7 @@
             </a:endParaRPr>
           </a:p>
           <a:p>
-            <a:pPr marL="342900" indent="-342900">
+            <a:pPr marL="342900" indent="-342900" algn="just">
               <a:lnSpc>
                 <a:spcPct val="150000"/>
               </a:lnSpc>
@@ -5068,7 +5066,7 @@
             </a:endParaRPr>
           </a:p>
           <a:p>
-            <a:pPr marL="342900" indent="-342900">
+            <a:pPr marL="342900" indent="-342900" algn="just">
               <a:lnSpc>
                 <a:spcPct val="150000"/>
               </a:lnSpc>
@@ -6208,7 +6206,7 @@
         <p:spPr>
           <a:xfrm>
             <a:off x="228599" y="1720840"/>
-            <a:ext cx="8146143" cy="3970318"/>
+            <a:ext cx="8686801" cy="3970318"/>
           </a:xfrm>
           <a:prstGeom prst="rect">
             <a:avLst/>
@@ -6220,7 +6218,7 @@
           </a:bodyPr>
           <a:lstStyle/>
           <a:p>
-            <a:pPr marL="457200" indent="-457200">
+            <a:pPr marL="457200" indent="-457200" algn="just">
               <a:lnSpc>
                 <a:spcPct val="150000"/>
               </a:lnSpc>
@@ -6343,7 +6341,7 @@
             </a:endParaRPr>
           </a:p>
           <a:p>
-            <a:pPr marL="457200" indent="-457200">
+            <a:pPr marL="457200" indent="-457200" algn="just">
               <a:lnSpc>
                 <a:spcPct val="150000"/>
               </a:lnSpc>
@@ -6362,7 +6360,7 @@
             </a:endParaRPr>
           </a:p>
           <a:p>
-            <a:pPr marL="457200" indent="-457200">
+            <a:pPr marL="457200" indent="-457200" algn="just">
               <a:lnSpc>
                 <a:spcPct val="150000"/>
               </a:lnSpc>
@@ -6533,7 +6531,7 @@
         <p:spPr>
           <a:xfrm>
             <a:off x="533399" y="1219200"/>
-            <a:ext cx="8382001" cy="2862322"/>
+            <a:ext cx="8382001" cy="2703625"/>
           </a:xfrm>
           <a:prstGeom prst="rect">
             <a:avLst/>
@@ -6545,7 +6543,7 @@
           </a:bodyPr>
           <a:lstStyle/>
           <a:p>
-            <a:pPr>
+            <a:pPr algn="just">
               <a:lnSpc>
                 <a:spcPct val="250000"/>
               </a:lnSpc>
@@ -6573,7 +6571,7 @@
             </a:endParaRPr>
           </a:p>
           <a:p>
-            <a:pPr marL="342900" indent="-342900">
+            <a:pPr marL="342900" indent="-342900" algn="just">
               <a:lnSpc>
                 <a:spcPct val="250000"/>
               </a:lnSpc>
@@ -6627,7 +6625,7 @@
             </a:endParaRPr>
           </a:p>
           <a:p>
-            <a:pPr marL="342900" indent="-342900">
+            <a:pPr marL="342900" indent="-342900" algn="just">
               <a:lnSpc>
                 <a:spcPct val="250000"/>
               </a:lnSpc>
@@ -25494,7 +25492,7 @@
         <p:spPr>
           <a:xfrm>
             <a:off x="304800" y="76200"/>
-            <a:ext cx="7620000" cy="639762"/>
+            <a:ext cx="8686800" cy="639762"/>
           </a:xfrm>
           <a:prstGeom prst="rect">
             <a:avLst/>
@@ -25505,8 +25503,8 @@
           <a:lstStyle/>
           <a:p>
             <a:r>
-              <a:rPr lang="en-US" dirty="0" smtClean="0"/>
-              <a:t>3</a:t>
+              <a:rPr lang="en-US" dirty="0"/>
+              <a:t>4</a:t>
             </a:r>
             <a:r>
               <a:rPr lang="en-US" sz="3200" dirty="0" smtClean="0"/>
@@ -25514,7 +25512,7 @@
             </a:r>
             <a:r>
               <a:rPr lang="en-US" dirty="0" smtClean="0"/>
-              <a:t>THỰC NGHIỆM VÀ ĐÁNH GIÁ</a:t>
+              <a:t>KẾT LUẬN VÀ HƯỚNG PHÁT TRIỂN</a:t>
             </a:r>
             <a:endParaRPr lang="en-US" sz="3200" dirty="0"/>
           </a:p>
@@ -25522,14 +25520,14 @@
       </p:sp>
       <p:sp>
         <p:nvSpPr>
-          <p:cNvPr id="6" name="Rectangle 5"/>
+          <p:cNvPr id="4" name="Rectangle 3"/>
           <p:cNvSpPr/>
           <p:nvPr/>
         </p:nvSpPr>
         <p:spPr>
           <a:xfrm>
-            <a:off x="381000" y="1676400"/>
-            <a:ext cx="7924800" cy="3416320"/>
+            <a:off x="377370" y="1590020"/>
+            <a:ext cx="8690429" cy="4524315"/>
           </a:xfrm>
           <a:prstGeom prst="rect">
             <a:avLst/>
@@ -25541,7 +25539,7 @@
           </a:bodyPr>
           <a:lstStyle/>
           <a:p>
-            <a:pPr marL="457200" indent="-457200">
+            <a:pPr marL="342900" lvl="0" indent="-342900" algn="just">
               <a:lnSpc>
                 <a:spcPct val="150000"/>
               </a:lnSpc>
@@ -25549,7 +25547,7 @@
               <a:buChar char="v"/>
             </a:pPr>
             <a:r>
-              <a:rPr lang="en-US" sz="2400" dirty="0">
+              <a:rPr lang="en-US" sz="2400" dirty="0" smtClean="0">
                 <a:solidFill>
                   <a:schemeClr val="tx2">
                     <a:lumMod val="50000"/>
@@ -25558,8 +25556,17 @@
                 <a:latin typeface="Times New Roman" pitchFamily="18" charset="0"/>
                 <a:cs typeface="Times New Roman" pitchFamily="18" charset="0"/>
               </a:rPr>
-              <a:t>X</a:t>
-            </a:r>
+              <a:t>Đóng góp được tập dữ liệu ý kiến đánh giá chất lượng giảng dạy của sinh viên tại Trường Đại học Công Nghệ TP.HCM.</a:t>
+            </a:r>
+          </a:p>
+          <a:p>
+            <a:pPr marL="342900" lvl="0" indent="-342900" algn="just">
+              <a:lnSpc>
+                <a:spcPct val="150000"/>
+              </a:lnSpc>
+              <a:buFont typeface="Wingdings" pitchFamily="2" charset="2"/>
+              <a:buChar char="v"/>
+            </a:pPr>
             <a:r>
               <a:rPr lang="vi-VN" sz="2400" dirty="0" smtClean="0">
                 <a:solidFill>
@@ -25570,7 +25577,7 @@
                 <a:latin typeface="Times New Roman" pitchFamily="18" charset="0"/>
                 <a:cs typeface="Times New Roman" pitchFamily="18" charset="0"/>
               </a:rPr>
-              <a:t>ây </a:t>
+              <a:t>Xây </a:t>
             </a:r>
             <a:r>
               <a:rPr lang="vi-VN" sz="2400" dirty="0">
@@ -25582,7 +25589,91 @@
                 <a:latin typeface="Times New Roman" pitchFamily="18" charset="0"/>
                 <a:cs typeface="Times New Roman" pitchFamily="18" charset="0"/>
               </a:rPr>
-              <a:t>dựng được một bộ phân lớp ý kiến đánh giá với độ chính xác lên tới </a:t>
+              <a:t>dựng </a:t>
+            </a:r>
+            <a:r>
+              <a:rPr lang="vi-VN" sz="2400" dirty="0" smtClean="0">
+                <a:solidFill>
+                  <a:schemeClr val="tx2">
+                    <a:lumMod val="50000"/>
+                  </a:schemeClr>
+                </a:solidFill>
+                <a:latin typeface="Times New Roman" pitchFamily="18" charset="0"/>
+                <a:cs typeface="Times New Roman" pitchFamily="18" charset="0"/>
+              </a:rPr>
+              <a:t>thành </a:t>
+            </a:r>
+            <a:r>
+              <a:rPr lang="vi-VN" sz="2400" dirty="0">
+                <a:solidFill>
+                  <a:schemeClr val="tx2">
+                    <a:lumMod val="50000"/>
+                  </a:schemeClr>
+                </a:solidFill>
+                <a:latin typeface="Times New Roman" pitchFamily="18" charset="0"/>
+                <a:cs typeface="Times New Roman" pitchFamily="18" charset="0"/>
+              </a:rPr>
+              <a:t>công mô hình </a:t>
+            </a:r>
+            <a:r>
+              <a:rPr lang="en-US" sz="2400" dirty="0" smtClean="0">
+                <a:solidFill>
+                  <a:schemeClr val="tx2">
+                    <a:lumMod val="50000"/>
+                  </a:schemeClr>
+                </a:solidFill>
+                <a:latin typeface="Times New Roman" pitchFamily="18" charset="0"/>
+                <a:cs typeface="Times New Roman" pitchFamily="18" charset="0"/>
+              </a:rPr>
+              <a:t>dự đoán </a:t>
+            </a:r>
+            <a:r>
+              <a:rPr lang="vi-VN" sz="2400" dirty="0" smtClean="0">
+                <a:solidFill>
+                  <a:schemeClr val="tx2">
+                    <a:lumMod val="50000"/>
+                  </a:schemeClr>
+                </a:solidFill>
+                <a:latin typeface="Times New Roman" pitchFamily="18" charset="0"/>
+                <a:cs typeface="Times New Roman" pitchFamily="18" charset="0"/>
+              </a:rPr>
+              <a:t>ý </a:t>
+            </a:r>
+            <a:r>
+              <a:rPr lang="vi-VN" sz="2400" dirty="0">
+                <a:solidFill>
+                  <a:schemeClr val="tx2">
+                    <a:lumMod val="50000"/>
+                  </a:schemeClr>
+                </a:solidFill>
+                <a:latin typeface="Times New Roman" pitchFamily="18" charset="0"/>
+                <a:cs typeface="Times New Roman" pitchFamily="18" charset="0"/>
+              </a:rPr>
+              <a:t>kiến đánh giá </a:t>
+            </a:r>
+            <a:r>
+              <a:rPr lang="vi-VN" sz="2400" dirty="0" smtClean="0">
+                <a:solidFill>
+                  <a:schemeClr val="tx2">
+                    <a:lumMod val="50000"/>
+                  </a:schemeClr>
+                </a:solidFill>
+                <a:latin typeface="Times New Roman" pitchFamily="18" charset="0"/>
+                <a:cs typeface="Times New Roman" pitchFamily="18" charset="0"/>
+              </a:rPr>
+              <a:t>trong </a:t>
+            </a:r>
+            <a:r>
+              <a:rPr lang="vi-VN" sz="2400" dirty="0">
+                <a:solidFill>
+                  <a:schemeClr val="tx2">
+                    <a:lumMod val="50000"/>
+                  </a:schemeClr>
+                </a:solidFill>
+                <a:latin typeface="Times New Roman" pitchFamily="18" charset="0"/>
+                <a:cs typeface="Times New Roman" pitchFamily="18" charset="0"/>
+              </a:rPr>
+              <a:t>lĩnh vực giáo dục. Độ chính xác của mô hình lên đến </a:t>
             </a:r>
             <a:r>
               <a:rPr lang="vi-VN" sz="2400" b="1" dirty="0">
@@ -25594,7 +25685,55 @@
                 <a:latin typeface="Times New Roman" pitchFamily="18" charset="0"/>
                 <a:cs typeface="Times New Roman" pitchFamily="18" charset="0"/>
               </a:rPr>
-              <a:t>83</a:t>
+              <a:t>83%</a:t>
+            </a:r>
+            <a:r>
+              <a:rPr lang="vi-VN" sz="2400" dirty="0">
+                <a:solidFill>
+                  <a:schemeClr val="tx2">
+                    <a:lumMod val="50000"/>
+                  </a:schemeClr>
+                </a:solidFill>
+                <a:latin typeface="Times New Roman" pitchFamily="18" charset="0"/>
+                <a:cs typeface="Times New Roman" pitchFamily="18" charset="0"/>
+              </a:rPr>
+              <a:t> với phương pháp phân lớp</a:t>
+            </a:r>
+            <a:r>
+              <a:rPr lang="vi-VN" sz="2400" b="1" dirty="0">
+                <a:solidFill>
+                  <a:schemeClr val="tx2">
+                    <a:lumMod val="50000"/>
+                  </a:schemeClr>
+                </a:solidFill>
+                <a:latin typeface="Times New Roman" pitchFamily="18" charset="0"/>
+                <a:cs typeface="Times New Roman" pitchFamily="18" charset="0"/>
+              </a:rPr>
+              <a:t> </a:t>
+            </a:r>
+            <a:r>
+              <a:rPr lang="vi-VN" sz="2400" dirty="0">
+                <a:solidFill>
+                  <a:schemeClr val="tx2">
+                    <a:lumMod val="50000"/>
+                  </a:schemeClr>
+                </a:solidFill>
+                <a:latin typeface="Times New Roman" pitchFamily="18" charset="0"/>
+                <a:cs typeface="Times New Roman" pitchFamily="18" charset="0"/>
+              </a:rPr>
+              <a:t>Naïve </a:t>
+            </a:r>
+            <a:r>
+              <a:rPr lang="vi-VN" sz="2400" dirty="0" smtClean="0">
+                <a:solidFill>
+                  <a:schemeClr val="tx2">
+                    <a:lumMod val="50000"/>
+                  </a:schemeClr>
+                </a:solidFill>
+                <a:latin typeface="Times New Roman" pitchFamily="18" charset="0"/>
+                <a:cs typeface="Times New Roman" pitchFamily="18" charset="0"/>
+              </a:rPr>
+              <a:t>Bayes</a:t>
             </a:r>
             <a:r>
               <a:rPr lang="vi-VN" sz="2400" b="1" dirty="0" smtClean="0">
@@ -25606,26 +25745,8 @@
                 <a:latin typeface="Times New Roman" pitchFamily="18" charset="0"/>
                 <a:cs typeface="Times New Roman" pitchFamily="18" charset="0"/>
               </a:rPr>
-              <a:t>%.</a:t>
-            </a:r>
-            <a:endParaRPr lang="en-US" sz="2400" b="1" dirty="0" smtClean="0">
-              <a:solidFill>
-                <a:schemeClr val="tx2">
-                  <a:lumMod val="50000"/>
-                </a:schemeClr>
-              </a:solidFill>
-              <a:latin typeface="Times New Roman" pitchFamily="18" charset="0"/>
-              <a:cs typeface="Times New Roman" pitchFamily="18" charset="0"/>
-            </a:endParaRPr>
-          </a:p>
-          <a:p>
-            <a:pPr marL="457200" indent="-457200">
-              <a:lnSpc>
-                <a:spcPct val="150000"/>
-              </a:lnSpc>
-              <a:buFont typeface="Wingdings" pitchFamily="2" charset="2"/>
-              <a:buChar char="v"/>
-            </a:pPr>
+              <a:t>.</a:t>
+            </a:r>
             <a:endParaRPr lang="en-US" sz="2400" dirty="0">
               <a:solidFill>
                 <a:schemeClr val="tx2">
@@ -25637,25 +25758,13 @@
             </a:endParaRPr>
           </a:p>
           <a:p>
-            <a:pPr marL="457200" indent="-457200">
+            <a:pPr marL="342900" lvl="0" indent="-342900" algn="just">
               <a:lnSpc>
                 <a:spcPct val="150000"/>
               </a:lnSpc>
               <a:buFont typeface="Wingdings" pitchFamily="2" charset="2"/>
               <a:buChar char="v"/>
             </a:pPr>
-            <a:r>
-              <a:rPr lang="en-US" sz="2400" dirty="0">
-                <a:solidFill>
-                  <a:schemeClr val="tx2">
-                    <a:lumMod val="50000"/>
-                  </a:schemeClr>
-                </a:solidFill>
-                <a:latin typeface="Times New Roman" pitchFamily="18" charset="0"/>
-                <a:cs typeface="Times New Roman" pitchFamily="18" charset="0"/>
-              </a:rPr>
-              <a:t>S</a:t>
-            </a:r>
             <a:r>
               <a:rPr lang="vi-VN" sz="2400" dirty="0" smtClean="0">
                 <a:solidFill>
@@ -25666,7 +25775,7 @@
                 <a:latin typeface="Times New Roman" pitchFamily="18" charset="0"/>
                 <a:cs typeface="Times New Roman" pitchFamily="18" charset="0"/>
               </a:rPr>
-              <a:t>o sánh </a:t>
+              <a:t>So </a:t>
             </a:r>
             <a:r>
               <a:rPr lang="vi-VN" sz="2400" dirty="0">
@@ -25678,31 +25787,7 @@
                 <a:latin typeface="Times New Roman" pitchFamily="18" charset="0"/>
                 <a:cs typeface="Times New Roman" pitchFamily="18" charset="0"/>
               </a:rPr>
-              <a:t>một số phương pháp phân lớp </a:t>
-            </a:r>
-            <a:r>
-              <a:rPr lang="vi-VN" sz="2400" dirty="0" smtClean="0">
-                <a:solidFill>
-                  <a:schemeClr val="tx2">
-                    <a:lumMod val="50000"/>
-                  </a:schemeClr>
-                </a:solidFill>
-                <a:latin typeface="Times New Roman" pitchFamily="18" charset="0"/>
-                <a:cs typeface="Times New Roman" pitchFamily="18" charset="0"/>
-              </a:rPr>
-              <a:t>trên </a:t>
-            </a:r>
-            <a:r>
-              <a:rPr lang="vi-VN" sz="2400" dirty="0">
-                <a:solidFill>
-                  <a:schemeClr val="tx2">
-                    <a:lumMod val="50000"/>
-                  </a:schemeClr>
-                </a:solidFill>
-                <a:latin typeface="Times New Roman" pitchFamily="18" charset="0"/>
-                <a:cs typeface="Times New Roman" pitchFamily="18" charset="0"/>
-              </a:rPr>
-              <a:t>cùng tập dữ liệu từ đó làm cơ sở lý thuyết tham khảo cho các nghiên cứu liên quan</a:t>
+              <a:t>sánh độ hiệu quả giữa các phương pháp phân lớp với nhau trên cùng tập dữ liệu làm nguồn tài liệu tham khảo cho các nghiên cứu liên quan</a:t>
             </a:r>
             <a:r>
               <a:rPr lang="vi-VN" sz="2400" dirty="0" smtClean="0">
@@ -25716,7 +25801,7 @@
               </a:rPr>
               <a:t>.</a:t>
             </a:r>
-            <a:endParaRPr lang="en-US" sz="2400" dirty="0" smtClean="0">
+            <a:endParaRPr lang="en-US" sz="2400" dirty="0">
               <a:solidFill>
                 <a:schemeClr val="tx2">
                   <a:lumMod val="50000"/>
@@ -25730,13 +25815,13 @@
       </p:sp>
       <p:sp>
         <p:nvSpPr>
-          <p:cNvPr id="7" name="TextBox 6"/>
+          <p:cNvPr id="5" name="TextBox 4"/>
           <p:cNvSpPr txBox="1"/>
           <p:nvPr/>
         </p:nvSpPr>
         <p:spPr>
           <a:xfrm>
-            <a:off x="381000" y="1066800"/>
+            <a:off x="228600" y="1066800"/>
             <a:ext cx="7239000" cy="523220"/>
           </a:xfrm>
           <a:prstGeom prst="rect">
@@ -25777,7 +25862,7 @@
     </p:spTree>
     <p:extLst>
       <p:ext uri="{BB962C8B-B14F-4D97-AF65-F5344CB8AC3E}">
-        <p14:creationId xmlns:p14="http://schemas.microsoft.com/office/powerpoint/2010/main" val="3862534936"/>
+        <p14:creationId xmlns:p14="http://schemas.microsoft.com/office/powerpoint/2010/main" val="440261101"/>
       </p:ext>
     </p:extLst>
   </p:cSld>
@@ -25885,8 +25970,8 @@
         </p:nvSpPr>
         <p:spPr>
           <a:xfrm>
-            <a:off x="377370" y="1590020"/>
-            <a:ext cx="8690429" cy="3970318"/>
+            <a:off x="304800" y="1600200"/>
+            <a:ext cx="8762999" cy="2195794"/>
           </a:xfrm>
           <a:prstGeom prst="rect">
             <a:avLst/>
@@ -25898,9 +25983,9 @@
           </a:bodyPr>
           <a:lstStyle/>
           <a:p>
-            <a:pPr marL="342900" lvl="0" indent="-342900">
+            <a:pPr marL="342900" lvl="0" indent="-342900" algn="just">
               <a:lnSpc>
-                <a:spcPct val="150000"/>
+                <a:spcPct val="200000"/>
               </a:lnSpc>
               <a:buFont typeface="Wingdings" pitchFamily="2" charset="2"/>
               <a:buChar char="v"/>
@@ -25915,7 +26000,7 @@
                 <a:latin typeface="Times New Roman" pitchFamily="18" charset="0"/>
                 <a:cs typeface="Times New Roman" pitchFamily="18" charset="0"/>
               </a:rPr>
-              <a:t>Xây </a:t>
+              <a:t>Chưa </a:t>
             </a:r>
             <a:r>
               <a:rPr lang="vi-VN" sz="2400" dirty="0">
@@ -25927,7 +26012,7 @@
                 <a:latin typeface="Times New Roman" pitchFamily="18" charset="0"/>
                 <a:cs typeface="Times New Roman" pitchFamily="18" charset="0"/>
               </a:rPr>
-              <a:t>dựng </a:t>
+              <a:t>phân loại được các ý kiến mang ý kiến trung tính</a:t>
             </a:r>
             <a:r>
               <a:rPr lang="vi-VN" sz="2400" dirty="0" smtClean="0">
@@ -25939,170 +26024,8 @@
                 <a:latin typeface="Times New Roman" pitchFamily="18" charset="0"/>
                 <a:cs typeface="Times New Roman" pitchFamily="18" charset="0"/>
               </a:rPr>
-              <a:t>thành </a:t>
-            </a:r>
-            <a:r>
-              <a:rPr lang="vi-VN" sz="2400" dirty="0">
-                <a:solidFill>
-                  <a:schemeClr val="tx2">
-                    <a:lumMod val="50000"/>
-                  </a:schemeClr>
-                </a:solidFill>
-                <a:latin typeface="Times New Roman" pitchFamily="18" charset="0"/>
-                <a:cs typeface="Times New Roman" pitchFamily="18" charset="0"/>
-              </a:rPr>
-              <a:t>công mô hình </a:t>
-            </a:r>
-            <a:r>
-              <a:rPr lang="en-US" sz="2400" dirty="0" smtClean="0">
-                <a:solidFill>
-                  <a:schemeClr val="tx2">
-                    <a:lumMod val="50000"/>
-                  </a:schemeClr>
-                </a:solidFill>
-                <a:latin typeface="Times New Roman" pitchFamily="18" charset="0"/>
-                <a:cs typeface="Times New Roman" pitchFamily="18" charset="0"/>
-              </a:rPr>
-              <a:t>dự đoán </a:t>
-            </a:r>
-            <a:r>
-              <a:rPr lang="vi-VN" sz="2400" dirty="0" smtClean="0">
-                <a:solidFill>
-                  <a:schemeClr val="tx2">
-                    <a:lumMod val="50000"/>
-                  </a:schemeClr>
-                </a:solidFill>
-                <a:latin typeface="Times New Roman" pitchFamily="18" charset="0"/>
-                <a:cs typeface="Times New Roman" pitchFamily="18" charset="0"/>
-              </a:rPr>
-              <a:t>ý </a:t>
-            </a:r>
-            <a:r>
-              <a:rPr lang="vi-VN" sz="2400" dirty="0">
-                <a:solidFill>
-                  <a:schemeClr val="tx2">
-                    <a:lumMod val="50000"/>
-                  </a:schemeClr>
-                </a:solidFill>
-                <a:latin typeface="Times New Roman" pitchFamily="18" charset="0"/>
-                <a:cs typeface="Times New Roman" pitchFamily="18" charset="0"/>
-              </a:rPr>
-              <a:t>kiến đánh giá </a:t>
-            </a:r>
-            <a:r>
-              <a:rPr lang="vi-VN" sz="2400" dirty="0" smtClean="0">
-                <a:solidFill>
-                  <a:schemeClr val="tx2">
-                    <a:lumMod val="50000"/>
-                  </a:schemeClr>
-                </a:solidFill>
-                <a:latin typeface="Times New Roman" pitchFamily="18" charset="0"/>
-                <a:cs typeface="Times New Roman" pitchFamily="18" charset="0"/>
-              </a:rPr>
-              <a:t>trong </a:t>
-            </a:r>
-            <a:r>
-              <a:rPr lang="vi-VN" sz="2400" dirty="0">
-                <a:solidFill>
-                  <a:schemeClr val="tx2">
-                    <a:lumMod val="50000"/>
-                  </a:schemeClr>
-                </a:solidFill>
-                <a:latin typeface="Times New Roman" pitchFamily="18" charset="0"/>
-                <a:cs typeface="Times New Roman" pitchFamily="18" charset="0"/>
-              </a:rPr>
-              <a:t>lĩnh vực giáo dục. Độ chính xác của mô hình lên đến </a:t>
-            </a:r>
-            <a:r>
-              <a:rPr lang="vi-VN" sz="2400" b="1" dirty="0">
-                <a:solidFill>
-                  <a:schemeClr val="tx2">
-                    <a:lumMod val="50000"/>
-                  </a:schemeClr>
-                </a:solidFill>
-                <a:latin typeface="Times New Roman" pitchFamily="18" charset="0"/>
-                <a:cs typeface="Times New Roman" pitchFamily="18" charset="0"/>
-              </a:rPr>
-              <a:t>83%</a:t>
-            </a:r>
-            <a:r>
-              <a:rPr lang="vi-VN" sz="2400" dirty="0">
-                <a:solidFill>
-                  <a:schemeClr val="tx2">
-                    <a:lumMod val="50000"/>
-                  </a:schemeClr>
-                </a:solidFill>
-                <a:latin typeface="Times New Roman" pitchFamily="18" charset="0"/>
-                <a:cs typeface="Times New Roman" pitchFamily="18" charset="0"/>
-              </a:rPr>
-              <a:t> với phương pháp phân lớp</a:t>
-            </a:r>
-            <a:r>
-              <a:rPr lang="vi-VN" sz="2400" b="1" dirty="0">
-                <a:solidFill>
-                  <a:schemeClr val="tx2">
-                    <a:lumMod val="50000"/>
-                  </a:schemeClr>
-                </a:solidFill>
-                <a:latin typeface="Times New Roman" pitchFamily="18" charset="0"/>
-                <a:cs typeface="Times New Roman" pitchFamily="18" charset="0"/>
-              </a:rPr>
-              <a:t> </a:t>
-            </a:r>
-            <a:r>
-              <a:rPr lang="vi-VN" sz="2400" dirty="0">
-                <a:solidFill>
-                  <a:schemeClr val="tx2">
-                    <a:lumMod val="50000"/>
-                  </a:schemeClr>
-                </a:solidFill>
-                <a:latin typeface="Times New Roman" pitchFamily="18" charset="0"/>
-                <a:cs typeface="Times New Roman" pitchFamily="18" charset="0"/>
-              </a:rPr>
-              <a:t>Naïve </a:t>
-            </a:r>
-            <a:r>
-              <a:rPr lang="vi-VN" sz="2400" dirty="0" smtClean="0">
-                <a:solidFill>
-                  <a:schemeClr val="tx2">
-                    <a:lumMod val="50000"/>
-                  </a:schemeClr>
-                </a:solidFill>
-                <a:latin typeface="Times New Roman" pitchFamily="18" charset="0"/>
-                <a:cs typeface="Times New Roman" pitchFamily="18" charset="0"/>
-              </a:rPr>
-              <a:t>Bayes</a:t>
-            </a:r>
-            <a:r>
-              <a:rPr lang="vi-VN" sz="2400" b="1" dirty="0" smtClean="0">
-                <a:solidFill>
-                  <a:schemeClr val="tx2">
-                    <a:lumMod val="50000"/>
-                  </a:schemeClr>
-                </a:solidFill>
-                <a:latin typeface="Times New Roman" pitchFamily="18" charset="0"/>
-                <a:cs typeface="Times New Roman" pitchFamily="18" charset="0"/>
-              </a:rPr>
               <a:t>.</a:t>
             </a:r>
-            <a:endParaRPr lang="en-US" sz="2400" b="1" dirty="0" smtClean="0">
-              <a:solidFill>
-                <a:schemeClr val="tx2">
-                  <a:lumMod val="50000"/>
-                </a:schemeClr>
-              </a:solidFill>
-              <a:latin typeface="Times New Roman" pitchFamily="18" charset="0"/>
-              <a:cs typeface="Times New Roman" pitchFamily="18" charset="0"/>
-            </a:endParaRPr>
-          </a:p>
-          <a:p>
-            <a:pPr marL="342900" lvl="0" indent="-342900">
-              <a:lnSpc>
-                <a:spcPct val="150000"/>
-              </a:lnSpc>
-              <a:buFont typeface="Wingdings" pitchFamily="2" charset="2"/>
-              <a:buChar char="v"/>
-            </a:pPr>
             <a:endParaRPr lang="en-US" sz="2400" dirty="0">
               <a:solidFill>
                 <a:schemeClr val="tx2">
@@ -26114,25 +26037,13 @@
             </a:endParaRPr>
           </a:p>
           <a:p>
-            <a:pPr marL="342900" lvl="0" indent="-342900">
+            <a:pPr marL="342900" lvl="0" indent="-342900" algn="just">
               <a:lnSpc>
-                <a:spcPct val="150000"/>
+                <a:spcPct val="200000"/>
               </a:lnSpc>
               <a:buFont typeface="Wingdings" pitchFamily="2" charset="2"/>
               <a:buChar char="v"/>
             </a:pPr>
-            <a:r>
-              <a:rPr lang="vi-VN" sz="2400" dirty="0" smtClean="0">
-                <a:solidFill>
-                  <a:schemeClr val="tx2">
-                    <a:lumMod val="50000"/>
-                  </a:schemeClr>
-                </a:solidFill>
-                <a:latin typeface="Times New Roman" pitchFamily="18" charset="0"/>
-                <a:cs typeface="Times New Roman" pitchFamily="18" charset="0"/>
-              </a:rPr>
-              <a:t>So </a:t>
-            </a:r>
             <a:r>
               <a:rPr lang="vi-VN" sz="2400" dirty="0">
                 <a:solidFill>
@@ -26143,19 +26054,7 @@
                 <a:latin typeface="Times New Roman" pitchFamily="18" charset="0"/>
                 <a:cs typeface="Times New Roman" pitchFamily="18" charset="0"/>
               </a:rPr>
-              <a:t>sánh độ hiệu quả giữa các phương pháp phân lớp với nhau trên cùng tập dữ liệu làm nguồn tài liệu tham khảo cho các nghiên cứu liên quan</a:t>
-            </a:r>
-            <a:r>
-              <a:rPr lang="vi-VN" sz="2400" dirty="0" smtClean="0">
-                <a:solidFill>
-                  <a:schemeClr val="tx2">
-                    <a:lumMod val="50000"/>
-                  </a:schemeClr>
-                </a:solidFill>
-                <a:latin typeface="Times New Roman" pitchFamily="18" charset="0"/>
-                <a:cs typeface="Times New Roman" pitchFamily="18" charset="0"/>
-              </a:rPr>
-              <a:t>.</a:t>
+              <a:t>Việc biễu diễn văn bản thành vector chưa xét đến ngữ nghĩa trong câu.</a:t>
             </a:r>
             <a:endParaRPr lang="en-US" sz="2400" dirty="0">
               <a:solidFill>
@@ -26178,7 +26077,7 @@
         <p:spPr>
           <a:xfrm>
             <a:off x="228600" y="1066800"/>
-            <a:ext cx="7239000" cy="523220"/>
+            <a:ext cx="7239000" cy="461665"/>
           </a:xfrm>
           <a:prstGeom prst="rect">
             <a:avLst/>
@@ -26192,7 +26091,7 @@
           <a:lstStyle/>
           <a:p>
             <a:r>
-              <a:rPr lang="en-US" sz="2800" b="1" dirty="0" smtClean="0">
+              <a:rPr lang="en-US" sz="2400" b="1" dirty="0" smtClean="0">
                 <a:solidFill>
                   <a:schemeClr val="tx2">
                     <a:lumMod val="50000"/>
@@ -26201,9 +26100,9 @@
                 <a:latin typeface="Times New Roman" pitchFamily="18" charset="0"/>
                 <a:cs typeface="Times New Roman" pitchFamily="18" charset="0"/>
               </a:rPr>
-              <a:t>Kết quả đạt được</a:t>
-            </a:r>
-            <a:endParaRPr lang="en-US" sz="2800" b="1" dirty="0">
+              <a:t>Hạn chế</a:t>
+            </a:r>
+            <a:endParaRPr lang="en-US" sz="2400" b="1" dirty="0">
               <a:solidFill>
                 <a:schemeClr val="tx2">
                   <a:lumMod val="50000"/>
@@ -26218,7 +26117,7 @@
     </p:spTree>
     <p:extLst>
       <p:ext uri="{BB962C8B-B14F-4D97-AF65-F5344CB8AC3E}">
-        <p14:creationId xmlns:p14="http://schemas.microsoft.com/office/powerpoint/2010/main" val="440261101"/>
+        <p14:creationId xmlns:p14="http://schemas.microsoft.com/office/powerpoint/2010/main" val="981398805"/>
       </p:ext>
     </p:extLst>
   </p:cSld>
@@ -26326,8 +26225,8 @@
         </p:nvSpPr>
         <p:spPr>
           <a:xfrm>
-            <a:off x="304800" y="1600200"/>
-            <a:ext cx="8762999" cy="3046988"/>
+            <a:off x="152400" y="1600200"/>
+            <a:ext cx="8991599" cy="3785652"/>
           </a:xfrm>
           <a:prstGeom prst="rect">
             <a:avLst/>
@@ -26356,7 +26255,7 @@
                 <a:latin typeface="Times New Roman" pitchFamily="18" charset="0"/>
                 <a:cs typeface="Times New Roman" pitchFamily="18" charset="0"/>
               </a:rPr>
-              <a:t>Chưa </a:t>
+              <a:t>Tăng </a:t>
             </a:r>
             <a:r>
               <a:rPr lang="vi-VN" sz="2400" dirty="0">
@@ -26368,7 +26267,43 @@
                 <a:latin typeface="Times New Roman" pitchFamily="18" charset="0"/>
                 <a:cs typeface="Times New Roman" pitchFamily="18" charset="0"/>
               </a:rPr>
-              <a:t>phân loại được các ý kiến mang ý kiến trung tính.</a:t>
+              <a:t>số lượng dữ liệu huấn </a:t>
+            </a:r>
+            <a:r>
+              <a:rPr lang="vi-VN" sz="2400" dirty="0" smtClean="0">
+                <a:solidFill>
+                  <a:schemeClr val="tx2">
+                    <a:lumMod val="50000"/>
+                  </a:schemeClr>
+                </a:solidFill>
+                <a:latin typeface="Times New Roman" pitchFamily="18" charset="0"/>
+                <a:cs typeface="Times New Roman" pitchFamily="18" charset="0"/>
+              </a:rPr>
+              <a:t>luyện</a:t>
+            </a:r>
+            <a:r>
+              <a:rPr lang="en-US" sz="2400" dirty="0" smtClean="0">
+                <a:solidFill>
+                  <a:schemeClr val="tx2">
+                    <a:lumMod val="50000"/>
+                  </a:schemeClr>
+                </a:solidFill>
+                <a:latin typeface="Times New Roman" pitchFamily="18" charset="0"/>
+                <a:cs typeface="Times New Roman" pitchFamily="18" charset="0"/>
+              </a:rPr>
+              <a:t> để cải thiện độ chính xác phân lớp</a:t>
+            </a:r>
+            <a:r>
+              <a:rPr lang="vi-VN" sz="2400" dirty="0" smtClean="0">
+                <a:solidFill>
+                  <a:schemeClr val="tx2">
+                    <a:lumMod val="50000"/>
+                  </a:schemeClr>
+                </a:solidFill>
+                <a:latin typeface="Times New Roman" pitchFamily="18" charset="0"/>
+                <a:cs typeface="Times New Roman" pitchFamily="18" charset="0"/>
+              </a:rPr>
+              <a:t>.</a:t>
             </a:r>
             <a:endParaRPr lang="en-US" sz="2400" dirty="0">
               <a:solidFill>
@@ -26398,7 +26333,7 @@
                 <a:latin typeface="Times New Roman" pitchFamily="18" charset="0"/>
                 <a:cs typeface="Times New Roman" pitchFamily="18" charset="0"/>
               </a:rPr>
-              <a:t>Mô hình vẫn phụ thuộc vào việc lọc và gán nhãn dữ liệu thủ công.</a:t>
+              <a:t>Cải tiến phương pháp biễu diễn văn bản thành vector, cũng như giảm chiều vector.</a:t>
             </a:r>
             <a:endParaRPr lang="en-US" sz="2400" dirty="0">
               <a:solidFill>
@@ -26411,7 +26346,7 @@
             </a:endParaRPr>
           </a:p>
           <a:p>
-            <a:pPr marL="342900" lvl="0" indent="-342900">
+            <a:pPr marL="342900" indent="-342900">
               <a:lnSpc>
                 <a:spcPct val="200000"/>
               </a:lnSpc>
@@ -26428,7 +26363,7 @@
                 <a:latin typeface="Times New Roman" pitchFamily="18" charset="0"/>
                 <a:cs typeface="Times New Roman" pitchFamily="18" charset="0"/>
               </a:rPr>
-              <a:t>Việc biễu diễn văn bản thành vector chưa xét đến ngữ nghĩa trong câu.</a:t>
+              <a:t>Tăng số lớp dự đoán cảm xúc lên, tự động nhận diện các ý kiến không mang cảm xúc. </a:t>
             </a:r>
             <a:endParaRPr lang="en-US" sz="2400" dirty="0">
               <a:solidFill>
@@ -26474,7 +26409,7 @@
                 <a:latin typeface="Times New Roman" pitchFamily="18" charset="0"/>
                 <a:cs typeface="Times New Roman" pitchFamily="18" charset="0"/>
               </a:rPr>
-              <a:t>Hạn chế</a:t>
+              <a:t>Hướng phát triển</a:t>
             </a:r>
             <a:endParaRPr lang="en-US" sz="2400" b="1" dirty="0">
               <a:solidFill>
@@ -26491,7 +26426,7 @@
     </p:spTree>
     <p:extLst>
       <p:ext uri="{BB962C8B-B14F-4D97-AF65-F5344CB8AC3E}">
-        <p14:creationId xmlns:p14="http://schemas.microsoft.com/office/powerpoint/2010/main" val="981398805"/>
+        <p14:creationId xmlns:p14="http://schemas.microsoft.com/office/powerpoint/2010/main" val="45748813"/>
       </p:ext>
     </p:extLst>
   </p:cSld>
@@ -27412,601 +27347,6 @@
           <a:chExt cx="0" cy="0"/>
         </a:xfrm>
       </p:grpSpPr>
-      <p:sp>
-        <p:nvSpPr>
-          <p:cNvPr id="2" name="Slide Number Placeholder 1"/>
-          <p:cNvSpPr>
-            <a:spLocks noGrp="1"/>
-          </p:cNvSpPr>
-          <p:nvPr>
-            <p:ph type="sldNum" sz="quarter" idx="12"/>
-          </p:nvPr>
-        </p:nvSpPr>
-        <p:spPr/>
-        <p:txBody>
-          <a:bodyPr/>
-          <a:lstStyle/>
-          <a:p>
-            <a:fld id="{A2F32D12-589A-4C6C-9C18-7BB957B4D226}" type="slidenum">
-              <a:rPr lang="en-US" smtClean="0"/>
-              <a:pPr/>
-              <a:t>30</a:t>
-            </a:fld>
-            <a:endParaRPr lang="en-US" dirty="0"/>
-          </a:p>
-        </p:txBody>
-      </p:sp>
-      <p:sp>
-        <p:nvSpPr>
-          <p:cNvPr id="3" name="Title 2"/>
-          <p:cNvSpPr>
-            <a:spLocks noGrp="1"/>
-          </p:cNvSpPr>
-          <p:nvPr>
-            <p:ph type="title"/>
-          </p:nvPr>
-        </p:nvSpPr>
-        <p:spPr>
-          <a:xfrm>
-            <a:off x="304800" y="76200"/>
-            <a:ext cx="8686800" cy="639762"/>
-          </a:xfrm>
-          <a:prstGeom prst="rect">
-            <a:avLst/>
-          </a:prstGeom>
-        </p:spPr>
-        <p:txBody>
-          <a:bodyPr/>
-          <a:lstStyle/>
-          <a:p>
-            <a:r>
-              <a:rPr lang="en-US" dirty="0"/>
-              <a:t>4</a:t>
-            </a:r>
-            <a:r>
-              <a:rPr lang="en-US" sz="3200" dirty="0" smtClean="0"/>
-              <a:t>. </a:t>
-            </a:r>
-            <a:r>
-              <a:rPr lang="en-US" dirty="0" smtClean="0"/>
-              <a:t>KẾT LUẬN VÀ HƯỚNG PHÁT TRIỂN</a:t>
-            </a:r>
-            <a:endParaRPr lang="en-US" sz="3200" dirty="0"/>
-          </a:p>
-        </p:txBody>
-      </p:sp>
-      <p:sp>
-        <p:nvSpPr>
-          <p:cNvPr id="4" name="Rectangle 3"/>
-          <p:cNvSpPr/>
-          <p:nvPr/>
-        </p:nvSpPr>
-        <p:spPr>
-          <a:xfrm>
-            <a:off x="304801" y="1600200"/>
-            <a:ext cx="8458200" cy="3785652"/>
-          </a:xfrm>
-          <a:prstGeom prst="rect">
-            <a:avLst/>
-          </a:prstGeom>
-        </p:spPr>
-        <p:txBody>
-          <a:bodyPr wrap="square">
-            <a:spAutoFit/>
-          </a:bodyPr>
-          <a:lstStyle/>
-          <a:p>
-            <a:pPr marL="342900" lvl="0" indent="-342900">
-              <a:lnSpc>
-                <a:spcPct val="200000"/>
-              </a:lnSpc>
-              <a:buFont typeface="Wingdings" pitchFamily="2" charset="2"/>
-              <a:buChar char="v"/>
-            </a:pPr>
-            <a:r>
-              <a:rPr lang="vi-VN" sz="2400" dirty="0" smtClean="0">
-                <a:solidFill>
-                  <a:schemeClr val="tx2">
-                    <a:lumMod val="50000"/>
-                  </a:schemeClr>
-                </a:solidFill>
-                <a:latin typeface="Times New Roman" pitchFamily="18" charset="0"/>
-                <a:cs typeface="Times New Roman" pitchFamily="18" charset="0"/>
-              </a:rPr>
-              <a:t>Tăng </a:t>
-            </a:r>
-            <a:r>
-              <a:rPr lang="vi-VN" sz="2400" dirty="0">
-                <a:solidFill>
-                  <a:schemeClr val="tx2">
-                    <a:lumMod val="50000"/>
-                  </a:schemeClr>
-                </a:solidFill>
-                <a:latin typeface="Times New Roman" pitchFamily="18" charset="0"/>
-                <a:cs typeface="Times New Roman" pitchFamily="18" charset="0"/>
-              </a:rPr>
-              <a:t>số lượng dữ liệu huấn </a:t>
-            </a:r>
-            <a:r>
-              <a:rPr lang="vi-VN" sz="2400" dirty="0" smtClean="0">
-                <a:solidFill>
-                  <a:schemeClr val="tx2">
-                    <a:lumMod val="50000"/>
-                  </a:schemeClr>
-                </a:solidFill>
-                <a:latin typeface="Times New Roman" pitchFamily="18" charset="0"/>
-                <a:cs typeface="Times New Roman" pitchFamily="18" charset="0"/>
-              </a:rPr>
-              <a:t>luyện</a:t>
-            </a:r>
-            <a:r>
-              <a:rPr lang="en-US" sz="2400" dirty="0" smtClean="0">
-                <a:solidFill>
-                  <a:schemeClr val="tx2">
-                    <a:lumMod val="50000"/>
-                  </a:schemeClr>
-                </a:solidFill>
-                <a:latin typeface="Times New Roman" pitchFamily="18" charset="0"/>
-                <a:cs typeface="Times New Roman" pitchFamily="18" charset="0"/>
-              </a:rPr>
-              <a:t> để cải thiện độ chính xác phân lớp</a:t>
-            </a:r>
-            <a:r>
-              <a:rPr lang="vi-VN" sz="2400" dirty="0" smtClean="0">
-                <a:solidFill>
-                  <a:schemeClr val="tx2">
-                    <a:lumMod val="50000"/>
-                  </a:schemeClr>
-                </a:solidFill>
-                <a:latin typeface="Times New Roman" pitchFamily="18" charset="0"/>
-                <a:cs typeface="Times New Roman" pitchFamily="18" charset="0"/>
-              </a:rPr>
-              <a:t>.</a:t>
-            </a:r>
-            <a:endParaRPr lang="en-US" sz="2400" dirty="0">
-              <a:solidFill>
-                <a:schemeClr val="tx2">
-                  <a:lumMod val="50000"/>
-                </a:schemeClr>
-              </a:solidFill>
-              <a:latin typeface="Times New Roman" pitchFamily="18" charset="0"/>
-              <a:cs typeface="Times New Roman" pitchFamily="18" charset="0"/>
-            </a:endParaRPr>
-          </a:p>
-          <a:p>
-            <a:pPr marL="342900" lvl="0" indent="-342900">
-              <a:lnSpc>
-                <a:spcPct val="200000"/>
-              </a:lnSpc>
-              <a:buFont typeface="Wingdings" pitchFamily="2" charset="2"/>
-              <a:buChar char="v"/>
-            </a:pPr>
-            <a:r>
-              <a:rPr lang="vi-VN" sz="2400" dirty="0">
-                <a:solidFill>
-                  <a:schemeClr val="tx2">
-                    <a:lumMod val="50000"/>
-                  </a:schemeClr>
-                </a:solidFill>
-                <a:latin typeface="Times New Roman" pitchFamily="18" charset="0"/>
-                <a:cs typeface="Times New Roman" pitchFamily="18" charset="0"/>
-              </a:rPr>
-              <a:t>Cải tiến phương pháp biễu diễn văn bản thành vector, cũng như giảm chiều vector.</a:t>
-            </a:r>
-            <a:endParaRPr lang="en-US" sz="2400" dirty="0">
-              <a:solidFill>
-                <a:schemeClr val="tx2">
-                  <a:lumMod val="50000"/>
-                </a:schemeClr>
-              </a:solidFill>
-              <a:latin typeface="Times New Roman" pitchFamily="18" charset="0"/>
-              <a:cs typeface="Times New Roman" pitchFamily="18" charset="0"/>
-            </a:endParaRPr>
-          </a:p>
-          <a:p>
-            <a:pPr marL="342900" lvl="0" indent="-342900">
-              <a:lnSpc>
-                <a:spcPct val="200000"/>
-              </a:lnSpc>
-              <a:buFont typeface="Wingdings" pitchFamily="2" charset="2"/>
-              <a:buChar char="v"/>
-            </a:pPr>
-            <a:r>
-              <a:rPr lang="vi-VN" sz="2400" dirty="0">
-                <a:solidFill>
-                  <a:schemeClr val="tx2">
-                    <a:lumMod val="50000"/>
-                  </a:schemeClr>
-                </a:solidFill>
-                <a:latin typeface="Times New Roman" pitchFamily="18" charset="0"/>
-                <a:cs typeface="Times New Roman" pitchFamily="18" charset="0"/>
-              </a:rPr>
-              <a:t>Thử nghiệm các phương pháp phân lớp mới</a:t>
-            </a:r>
-            <a:r>
-              <a:rPr lang="vi-VN" sz="2400" dirty="0" smtClean="0">
-                <a:solidFill>
-                  <a:schemeClr val="tx2">
-                    <a:lumMod val="50000"/>
-                  </a:schemeClr>
-                </a:solidFill>
-                <a:latin typeface="Times New Roman" pitchFamily="18" charset="0"/>
-                <a:cs typeface="Times New Roman" pitchFamily="18" charset="0"/>
-              </a:rPr>
-              <a:t>.</a:t>
-            </a:r>
-          </a:p>
-        </p:txBody>
-      </p:sp>
-      <p:sp>
-        <p:nvSpPr>
-          <p:cNvPr id="5" name="TextBox 4"/>
-          <p:cNvSpPr txBox="1"/>
-          <p:nvPr/>
-        </p:nvSpPr>
-        <p:spPr>
-          <a:xfrm>
-            <a:off x="228600" y="1066800"/>
-            <a:ext cx="7239000" cy="461665"/>
-          </a:xfrm>
-          <a:prstGeom prst="rect">
-            <a:avLst/>
-          </a:prstGeom>
-          <a:noFill/>
-        </p:spPr>
-        <p:txBody>
-          <a:bodyPr wrap="square" rtlCol="0">
-            <a:spAutoFit/>
-          </a:bodyPr>
-          <a:lstStyle/>
-          <a:p>
-            <a:r>
-              <a:rPr lang="en-US" sz="2400" b="1" dirty="0" smtClean="0">
-                <a:solidFill>
-                  <a:schemeClr val="tx2">
-                    <a:lumMod val="50000"/>
-                  </a:schemeClr>
-                </a:solidFill>
-                <a:latin typeface="Times New Roman" pitchFamily="18" charset="0"/>
-                <a:cs typeface="Times New Roman" pitchFamily="18" charset="0"/>
-              </a:rPr>
-              <a:t>Hướng phát triển</a:t>
-            </a:r>
-            <a:endParaRPr lang="en-US" sz="2400" b="1" dirty="0">
-              <a:solidFill>
-                <a:schemeClr val="tx2">
-                  <a:lumMod val="50000"/>
-                </a:schemeClr>
-              </a:solidFill>
-              <a:latin typeface="Times New Roman" pitchFamily="18" charset="0"/>
-              <a:cs typeface="Times New Roman" pitchFamily="18" charset="0"/>
-            </a:endParaRPr>
-          </a:p>
-        </p:txBody>
-      </p:sp>
-    </p:spTree>
-    <p:extLst>
-      <p:ext uri="{BB962C8B-B14F-4D97-AF65-F5344CB8AC3E}">
-        <p14:creationId xmlns:p14="http://schemas.microsoft.com/office/powerpoint/2010/main" val="45748813"/>
-      </p:ext>
-    </p:extLst>
-  </p:cSld>
-  <p:clrMapOvr>
-    <a:masterClrMapping/>
-  </p:clrMapOvr>
-  <p:transition spd="slow">
-    <p:push dir="u"/>
-  </p:transition>
-  <p:timing>
-    <p:tnLst>
-      <p:par>
-        <p:cTn id="1" dur="indefinite" restart="never" nodeType="tmRoot"/>
-      </p:par>
-    </p:tnLst>
-  </p:timing>
-</p:sld>
-</file>
-
-<file path=ppt/slides/slide31.xml><?xml version="1.0" encoding="utf-8"?>
-<p:sld xmlns:a="http://schemas.openxmlformats.org/drawingml/2006/main" xmlns:r="http://schemas.openxmlformats.org/officeDocument/2006/relationships" xmlns:p="http://schemas.openxmlformats.org/presentationml/2006/main">
-  <p:cSld>
-    <p:spTree>
-      <p:nvGrpSpPr>
-        <p:cNvPr id="1" name=""/>
-        <p:cNvGrpSpPr/>
-        <p:nvPr/>
-      </p:nvGrpSpPr>
-      <p:grpSpPr>
-        <a:xfrm>
-          <a:off x="0" y="0"/>
-          <a:ext cx="0" cy="0"/>
-          <a:chOff x="0" y="0"/>
-          <a:chExt cx="0" cy="0"/>
-        </a:xfrm>
-      </p:grpSpPr>
-      <p:sp>
-        <p:nvSpPr>
-          <p:cNvPr id="2" name="Slide Number Placeholder 1"/>
-          <p:cNvSpPr>
-            <a:spLocks noGrp="1"/>
-          </p:cNvSpPr>
-          <p:nvPr>
-            <p:ph type="sldNum" sz="quarter" idx="12"/>
-          </p:nvPr>
-        </p:nvSpPr>
-        <p:spPr/>
-        <p:txBody>
-          <a:bodyPr/>
-          <a:lstStyle/>
-          <a:p>
-            <a:fld id="{A2F32D12-589A-4C6C-9C18-7BB957B4D226}" type="slidenum">
-              <a:rPr lang="en-US" smtClean="0"/>
-              <a:pPr/>
-              <a:t>31</a:t>
-            </a:fld>
-            <a:endParaRPr lang="en-US" dirty="0"/>
-          </a:p>
-        </p:txBody>
-      </p:sp>
-      <p:sp>
-        <p:nvSpPr>
-          <p:cNvPr id="3" name="Title 2"/>
-          <p:cNvSpPr>
-            <a:spLocks noGrp="1"/>
-          </p:cNvSpPr>
-          <p:nvPr>
-            <p:ph type="title"/>
-          </p:nvPr>
-        </p:nvSpPr>
-        <p:spPr>
-          <a:xfrm>
-            <a:off x="304800" y="76200"/>
-            <a:ext cx="8686800" cy="639762"/>
-          </a:xfrm>
-          <a:prstGeom prst="rect">
-            <a:avLst/>
-          </a:prstGeom>
-        </p:spPr>
-        <p:txBody>
-          <a:bodyPr/>
-          <a:lstStyle/>
-          <a:p>
-            <a:r>
-              <a:rPr lang="en-US" dirty="0"/>
-              <a:t>4</a:t>
-            </a:r>
-            <a:r>
-              <a:rPr lang="en-US" sz="3200" dirty="0" smtClean="0"/>
-              <a:t>. </a:t>
-            </a:r>
-            <a:r>
-              <a:rPr lang="en-US" dirty="0" smtClean="0"/>
-              <a:t>KẾT LUẬN VÀ HƯỚNG PHÁT TRIỂN</a:t>
-            </a:r>
-            <a:endParaRPr lang="en-US" sz="3200" dirty="0"/>
-          </a:p>
-        </p:txBody>
-      </p:sp>
-      <p:sp>
-        <p:nvSpPr>
-          <p:cNvPr id="4" name="Rectangle 3"/>
-          <p:cNvSpPr/>
-          <p:nvPr/>
-        </p:nvSpPr>
-        <p:spPr>
-          <a:xfrm>
-            <a:off x="304801" y="1600200"/>
-            <a:ext cx="8458200" cy="3785652"/>
-          </a:xfrm>
-          <a:prstGeom prst="rect">
-            <a:avLst/>
-          </a:prstGeom>
-        </p:spPr>
-        <p:txBody>
-          <a:bodyPr wrap="square">
-            <a:spAutoFit/>
-          </a:bodyPr>
-          <a:lstStyle/>
-          <a:p>
-            <a:pPr>
-              <a:lnSpc>
-                <a:spcPct val="200000"/>
-              </a:lnSpc>
-            </a:pPr>
-            <a:r>
-              <a:rPr lang="vi-VN" sz="2400" dirty="0" smtClean="0">
-                <a:solidFill>
-                  <a:schemeClr val="tx2">
-                    <a:lumMod val="50000"/>
-                  </a:schemeClr>
-                </a:solidFill>
-                <a:latin typeface="Times New Roman" pitchFamily="18" charset="0"/>
-                <a:cs typeface="Times New Roman" pitchFamily="18" charset="0"/>
-              </a:rPr>
-              <a:t>Ngoài </a:t>
-            </a:r>
-            <a:r>
-              <a:rPr lang="en-US" sz="2400" dirty="0" smtClean="0">
-                <a:solidFill>
-                  <a:schemeClr val="tx2">
-                    <a:lumMod val="50000"/>
-                  </a:schemeClr>
-                </a:solidFill>
-                <a:latin typeface="Times New Roman" pitchFamily="18" charset="0"/>
-                <a:cs typeface="Times New Roman" pitchFamily="18" charset="0"/>
-              </a:rPr>
-              <a:t>ra </a:t>
-            </a:r>
-            <a:r>
-              <a:rPr lang="vi-VN" sz="2400" dirty="0" smtClean="0">
-                <a:solidFill>
-                  <a:schemeClr val="tx2">
-                    <a:lumMod val="50000"/>
-                  </a:schemeClr>
-                </a:solidFill>
-                <a:latin typeface="Times New Roman" pitchFamily="18" charset="0"/>
-                <a:cs typeface="Times New Roman" pitchFamily="18" charset="0"/>
-              </a:rPr>
-              <a:t>luận văn có thể mở rộng và phát triển ở các hướng sau:</a:t>
-            </a:r>
-            <a:endParaRPr lang="en-US" sz="2400" dirty="0" smtClean="0">
-              <a:solidFill>
-                <a:schemeClr val="tx2">
-                  <a:lumMod val="50000"/>
-                </a:schemeClr>
-              </a:solidFill>
-              <a:latin typeface="Times New Roman" pitchFamily="18" charset="0"/>
-              <a:cs typeface="Times New Roman" pitchFamily="18" charset="0"/>
-            </a:endParaRPr>
-          </a:p>
-          <a:p>
-            <a:pPr marL="342900" lvl="0" indent="-342900">
-              <a:lnSpc>
-                <a:spcPct val="200000"/>
-              </a:lnSpc>
-              <a:buFont typeface="Wingdings" pitchFamily="2" charset="2"/>
-              <a:buChar char="v"/>
-            </a:pPr>
-            <a:r>
-              <a:rPr lang="vi-VN" sz="2400" dirty="0" smtClean="0">
-                <a:solidFill>
-                  <a:schemeClr val="tx2">
-                    <a:lumMod val="50000"/>
-                  </a:schemeClr>
-                </a:solidFill>
-                <a:latin typeface="Times New Roman" pitchFamily="18" charset="0"/>
-                <a:cs typeface="Times New Roman" pitchFamily="18" charset="0"/>
-              </a:rPr>
-              <a:t>Tăng số lớp dự đoán cảm xúc lên, tự động nhận diện các ý kiến không mang cảm xúc. </a:t>
-            </a:r>
-            <a:endParaRPr lang="en-US" sz="2400" dirty="0" smtClean="0">
-              <a:solidFill>
-                <a:schemeClr val="tx2">
-                  <a:lumMod val="50000"/>
-                </a:schemeClr>
-              </a:solidFill>
-              <a:latin typeface="Times New Roman" pitchFamily="18" charset="0"/>
-              <a:cs typeface="Times New Roman" pitchFamily="18" charset="0"/>
-            </a:endParaRPr>
-          </a:p>
-          <a:p>
-            <a:pPr marL="342900" indent="-342900">
-              <a:lnSpc>
-                <a:spcPct val="200000"/>
-              </a:lnSpc>
-              <a:buFont typeface="Wingdings" pitchFamily="2" charset="2"/>
-              <a:buChar char="v"/>
-            </a:pPr>
-            <a:r>
-              <a:rPr lang="vi-VN" sz="2400" dirty="0" smtClean="0">
-                <a:solidFill>
-                  <a:schemeClr val="tx2">
-                    <a:lumMod val="50000"/>
-                  </a:schemeClr>
-                </a:solidFill>
-                <a:latin typeface="Times New Roman" pitchFamily="18" charset="0"/>
-                <a:cs typeface="Times New Roman" pitchFamily="18" charset="0"/>
-              </a:rPr>
-              <a:t>Kết hợp nhiều phương pháp phân lớp khác nhau để nâng cao độ chính xác.</a:t>
-            </a:r>
-            <a:endParaRPr lang="en-US" sz="2400" dirty="0">
-              <a:solidFill>
-                <a:schemeClr val="tx2">
-                  <a:lumMod val="50000"/>
-                </a:schemeClr>
-              </a:solidFill>
-              <a:latin typeface="Times New Roman" pitchFamily="18" charset="0"/>
-              <a:cs typeface="Times New Roman" pitchFamily="18" charset="0"/>
-            </a:endParaRPr>
-          </a:p>
-        </p:txBody>
-      </p:sp>
-      <p:sp>
-        <p:nvSpPr>
-          <p:cNvPr id="5" name="TextBox 4"/>
-          <p:cNvSpPr txBox="1"/>
-          <p:nvPr/>
-        </p:nvSpPr>
-        <p:spPr>
-          <a:xfrm>
-            <a:off x="228600" y="1066800"/>
-            <a:ext cx="7239000" cy="461665"/>
-          </a:xfrm>
-          <a:prstGeom prst="rect">
-            <a:avLst/>
-          </a:prstGeom>
-          <a:noFill/>
-        </p:spPr>
-        <p:txBody>
-          <a:bodyPr wrap="square" rtlCol="0">
-            <a:spAutoFit/>
-          </a:bodyPr>
-          <a:lstStyle/>
-          <a:p>
-            <a:r>
-              <a:rPr lang="en-US" sz="2400" b="1" dirty="0" smtClean="0">
-                <a:solidFill>
-                  <a:schemeClr val="tx2">
-                    <a:lumMod val="50000"/>
-                  </a:schemeClr>
-                </a:solidFill>
-                <a:latin typeface="Times New Roman" pitchFamily="18" charset="0"/>
-                <a:cs typeface="Times New Roman" pitchFamily="18" charset="0"/>
-              </a:rPr>
-              <a:t>Hướng phát triển</a:t>
-            </a:r>
-            <a:endParaRPr lang="en-US" sz="2400" b="1" dirty="0">
-              <a:solidFill>
-                <a:schemeClr val="tx2">
-                  <a:lumMod val="50000"/>
-                </a:schemeClr>
-              </a:solidFill>
-              <a:latin typeface="Times New Roman" pitchFamily="18" charset="0"/>
-              <a:cs typeface="Times New Roman" pitchFamily="18" charset="0"/>
-            </a:endParaRPr>
-          </a:p>
-        </p:txBody>
-      </p:sp>
-    </p:spTree>
-    <p:extLst>
-      <p:ext uri="{BB962C8B-B14F-4D97-AF65-F5344CB8AC3E}">
-        <p14:creationId xmlns:p14="http://schemas.microsoft.com/office/powerpoint/2010/main" val="890196015"/>
-      </p:ext>
-    </p:extLst>
-  </p:cSld>
-  <p:clrMapOvr>
-    <a:masterClrMapping/>
-  </p:clrMapOvr>
-  <p:transition spd="slow">
-    <p:push dir="u"/>
-  </p:transition>
-  <p:timing>
-    <p:tnLst>
-      <p:par>
-        <p:cTn id="1" dur="indefinite" restart="never" nodeType="tmRoot"/>
-      </p:par>
-    </p:tnLst>
-  </p:timing>
-</p:sld>
-</file>
-
-<file path=ppt/slides/slide32.xml><?xml version="1.0" encoding="utf-8"?>
-<p:sld xmlns:a="http://schemas.openxmlformats.org/drawingml/2006/main" xmlns:r="http://schemas.openxmlformats.org/officeDocument/2006/relationships" xmlns:p="http://schemas.openxmlformats.org/presentationml/2006/main">
-  <p:cSld>
-    <p:spTree>
-      <p:nvGrpSpPr>
-        <p:cNvPr id="1" name=""/>
-        <p:cNvGrpSpPr/>
-        <p:nvPr/>
-      </p:nvGrpSpPr>
-      <p:grpSpPr>
-        <a:xfrm>
-          <a:off x="0" y="0"/>
-          <a:ext cx="0" cy="0"/>
-          <a:chOff x="0" y="0"/>
-          <a:chExt cx="0" cy="0"/>
-        </a:xfrm>
-      </p:grpSpPr>
       <p:pic>
         <p:nvPicPr>
           <p:cNvPr id="2" name="Picture 1"/>
@@ -28153,7 +27493,7 @@
           </a:bodyPr>
           <a:lstStyle/>
           <a:p>
-            <a:pPr marL="342900" indent="-342900">
+            <a:pPr marL="342900" indent="-342900" algn="just">
               <a:lnSpc>
                 <a:spcPct val="150000"/>
               </a:lnSpc>
@@ -28174,7 +27514,7 @@
             </a:r>
           </a:p>
           <a:p>
-            <a:pPr marL="342900" indent="-342900">
+            <a:pPr marL="342900" indent="-342900" algn="just">
               <a:lnSpc>
                 <a:spcPct val="150000"/>
               </a:lnSpc>
@@ -28195,7 +27535,7 @@
             </a:r>
           </a:p>
           <a:p>
-            <a:pPr marL="914400" lvl="1" indent="-457200">
+            <a:pPr marL="914400" lvl="1" indent="-457200" algn="just">
               <a:lnSpc>
                 <a:spcPct val="150000"/>
               </a:lnSpc>
@@ -28216,7 +27556,7 @@
             </a:r>
           </a:p>
           <a:p>
-            <a:pPr marL="914400" lvl="1" indent="-457200">
+            <a:pPr marL="914400" lvl="1" indent="-457200" algn="just">
               <a:lnSpc>
                 <a:spcPct val="150000"/>
               </a:lnSpc>
@@ -28237,7 +27577,7 @@
             </a:r>
           </a:p>
           <a:p>
-            <a:pPr marL="914400" lvl="1" indent="-457200">
+            <a:pPr marL="914400" lvl="1" indent="-457200" algn="just">
               <a:lnSpc>
                 <a:spcPct val="150000"/>
               </a:lnSpc>
@@ -28363,7 +27703,7 @@
         <p:spPr>
           <a:xfrm>
             <a:off x="228600" y="1600200"/>
-            <a:ext cx="8686800" cy="3970318"/>
+            <a:ext cx="8686800" cy="4524315"/>
           </a:xfrm>
           <a:prstGeom prst="rect">
             <a:avLst/>
@@ -28376,7 +27716,7 @@
           </a:bodyPr>
           <a:lstStyle/>
           <a:p>
-            <a:pPr marL="342900" lvl="0" indent="-342900">
+            <a:pPr marL="342900" lvl="0" indent="-342900" algn="just">
               <a:lnSpc>
                 <a:spcPct val="150000"/>
               </a:lnSpc>
@@ -28397,7 +27737,7 @@
             </a:r>
           </a:p>
           <a:p>
-            <a:pPr marL="800100" lvl="1" indent="-342900">
+            <a:pPr marL="800100" lvl="1" indent="-342900" algn="just">
               <a:lnSpc>
                 <a:spcPct val="150000"/>
               </a:lnSpc>
@@ -28442,7 +27782,7 @@
             </a:r>
           </a:p>
           <a:p>
-            <a:pPr marL="800100" lvl="1" indent="-342900">
+            <a:pPr marL="800100" lvl="1" indent="-342900" algn="just">
               <a:lnSpc>
                 <a:spcPct val="150000"/>
               </a:lnSpc>
@@ -28487,7 +27827,7 @@
             </a:r>
           </a:p>
           <a:p>
-            <a:pPr marL="342900" lvl="0" indent="-342900">
+            <a:pPr marL="342900" lvl="0" indent="-342900" algn="just">
               <a:lnSpc>
                 <a:spcPct val="150000"/>
               </a:lnSpc>
@@ -28508,7 +27848,7 @@
             </a:r>
           </a:p>
           <a:p>
-            <a:pPr marL="800100" lvl="1" indent="-342900">
+            <a:pPr marL="800100" lvl="1" indent="-342900" algn="just">
               <a:lnSpc>
                 <a:spcPct val="150000"/>
               </a:lnSpc>
@@ -28529,13 +27869,25 @@
             </a:r>
           </a:p>
           <a:p>
-            <a:pPr marL="800100" lvl="1" indent="-342900">
+            <a:pPr marL="800100" lvl="1" indent="-342900" algn="just">
               <a:lnSpc>
                 <a:spcPct val="150000"/>
               </a:lnSpc>
               <a:buFont typeface="Wingdings" pitchFamily="2" charset="2"/>
               <a:buChar char="§"/>
             </a:pPr>
+            <a:r>
+              <a:rPr lang="en-US" sz="2400" dirty="0" smtClean="0">
+                <a:solidFill>
+                  <a:schemeClr val="tx2">
+                    <a:lumMod val="50000"/>
+                  </a:schemeClr>
+                </a:solidFill>
+                <a:latin typeface="Times New Roman" pitchFamily="18" charset="0"/>
+                <a:cs typeface="Times New Roman" pitchFamily="18" charset="0"/>
+              </a:rPr>
+              <a:t>Khảo sát </a:t>
+            </a:r>
             <a:r>
               <a:rPr lang="en-US" sz="2400" dirty="0">
                 <a:solidFill>
@@ -28546,7 +27898,7 @@
                 <a:latin typeface="Times New Roman" pitchFamily="18" charset="0"/>
                 <a:cs typeface="Times New Roman" pitchFamily="18" charset="0"/>
               </a:rPr>
-              <a:t>Tìm ý kiến công chúng về các ứng cử viên và vấn đề chính trị.</a:t>
+              <a:t>ý kiến công chúng về các ứng cử viên và vấn đề chính trị.</a:t>
             </a:r>
           </a:p>
         </p:txBody>
@@ -28714,7 +28066,7 @@
           </a:bodyPr>
           <a:lstStyle/>
           <a:p>
-            <a:pPr marL="342900" lvl="0" indent="-342900">
+            <a:pPr marL="342900" lvl="0" indent="-342900" algn="just">
               <a:lnSpc>
                 <a:spcPct val="150000"/>
               </a:lnSpc>
@@ -28735,7 +28087,7 @@
             </a:r>
           </a:p>
           <a:p>
-            <a:pPr marL="342900" lvl="0" indent="-342900">
+            <a:pPr marL="342900" lvl="0" indent="-342900" algn="just">
               <a:lnSpc>
                 <a:spcPct val="150000"/>
               </a:lnSpc>
@@ -28753,7 +28105,7 @@
             </a:endParaRPr>
           </a:p>
           <a:p>
-            <a:pPr marL="342900" lvl="0" indent="-342900">
+            <a:pPr marL="342900" lvl="0" indent="-342900" algn="just">
               <a:lnSpc>
                 <a:spcPct val="150000"/>
               </a:lnSpc>
@@ -28971,7 +28323,7 @@
           </a:bodyPr>
           <a:lstStyle/>
           <a:p>
-            <a:pPr marL="342900" lvl="0" indent="-342900">
+            <a:pPr marL="342900" lvl="0" indent="-342900" algn="just">
               <a:lnSpc>
                 <a:spcPct val="150000"/>
               </a:lnSpc>
@@ -28979,7 +28331,7 @@
               <a:buChar char="v"/>
             </a:pPr>
             <a:r>
-              <a:rPr lang="en-US" sz="2400" dirty="0" smtClean="0">
+              <a:rPr lang="vi-VN" sz="2400" dirty="0" smtClean="0">
                 <a:solidFill>
                   <a:schemeClr val="tx2">
                     <a:lumMod val="50000"/>
@@ -28988,225 +28340,18 @@
                 <a:latin typeface="Times New Roman" pitchFamily="18" charset="0"/>
                 <a:cs typeface="Times New Roman" pitchFamily="18" charset="0"/>
               </a:rPr>
-              <a:t>Tìm hiểu về các phương pháp phân tích ý </a:t>
-            </a:r>
-            <a:r>
-              <a:rPr lang="en-US" sz="2400" dirty="0" err="1" smtClean="0">
-                <a:solidFill>
-                  <a:schemeClr val="tx2">
-                    <a:lumMod val="50000"/>
-                  </a:schemeClr>
-                </a:solidFill>
-                <a:latin typeface="Times New Roman" pitchFamily="18" charset="0"/>
-                <a:cs typeface="Times New Roman" pitchFamily="18" charset="0"/>
-              </a:rPr>
-              <a:t>kiến</a:t>
-            </a:r>
-            <a:r>
-              <a:rPr lang="en-US" sz="2400" dirty="0" smtClean="0">
-                <a:solidFill>
-                  <a:schemeClr val="tx2">
-                    <a:lumMod val="50000"/>
-                  </a:schemeClr>
-                </a:solidFill>
-                <a:latin typeface="Times New Roman" pitchFamily="18" charset="0"/>
-                <a:cs typeface="Times New Roman" pitchFamily="18" charset="0"/>
-              </a:rPr>
-              <a:t> </a:t>
-            </a:r>
-            <a:r>
-              <a:rPr lang="en-US" sz="2400" dirty="0" smtClean="0">
-                <a:solidFill>
-                  <a:schemeClr val="tx2">
-                    <a:lumMod val="50000"/>
-                  </a:schemeClr>
-                </a:solidFill>
-                <a:latin typeface="Times New Roman" pitchFamily="18" charset="0"/>
-                <a:cs typeface="Times New Roman" pitchFamily="18" charset="0"/>
-              </a:rPr>
-              <a:t>(</a:t>
-            </a:r>
-            <a:r>
-              <a:rPr lang="en-US" sz="2400" dirty="0" err="1" smtClean="0">
-                <a:solidFill>
-                  <a:schemeClr val="tx2">
-                    <a:lumMod val="50000"/>
-                  </a:schemeClr>
-                </a:solidFill>
-                <a:latin typeface="Times New Roman" pitchFamily="18" charset="0"/>
-                <a:cs typeface="Times New Roman" pitchFamily="18" charset="0"/>
-              </a:rPr>
-              <a:t>đưa</a:t>
-            </a:r>
-            <a:r>
-              <a:rPr lang="en-US" sz="2400" dirty="0" smtClean="0">
-                <a:solidFill>
-                  <a:schemeClr val="tx2">
-                    <a:lumMod val="50000"/>
-                  </a:schemeClr>
-                </a:solidFill>
-                <a:latin typeface="Times New Roman" pitchFamily="18" charset="0"/>
-                <a:cs typeface="Times New Roman" pitchFamily="18" charset="0"/>
-              </a:rPr>
-              <a:t> </a:t>
-            </a:r>
-            <a:r>
-              <a:rPr lang="en-US" sz="2400" dirty="0" err="1" smtClean="0">
-                <a:solidFill>
-                  <a:schemeClr val="tx2">
-                    <a:lumMod val="50000"/>
-                  </a:schemeClr>
-                </a:solidFill>
-                <a:latin typeface="Times New Roman" pitchFamily="18" charset="0"/>
-                <a:cs typeface="Times New Roman" pitchFamily="18" charset="0"/>
-              </a:rPr>
-              <a:t>về</a:t>
-            </a:r>
-            <a:r>
-              <a:rPr lang="en-US" sz="2400" dirty="0" smtClean="0">
-                <a:solidFill>
-                  <a:schemeClr val="tx2">
-                    <a:lumMod val="50000"/>
-                  </a:schemeClr>
-                </a:solidFill>
-                <a:latin typeface="Times New Roman" pitchFamily="18" charset="0"/>
-                <a:cs typeface="Times New Roman" pitchFamily="18" charset="0"/>
-              </a:rPr>
-              <a:t> </a:t>
-            </a:r>
-            <a:r>
-              <a:rPr lang="en-US" sz="2400" dirty="0" err="1" smtClean="0">
-                <a:solidFill>
-                  <a:schemeClr val="tx2">
-                    <a:lumMod val="50000"/>
-                  </a:schemeClr>
-                </a:solidFill>
-                <a:latin typeface="Times New Roman" pitchFamily="18" charset="0"/>
-                <a:cs typeface="Times New Roman" pitchFamily="18" charset="0"/>
-              </a:rPr>
-              <a:t>bài</a:t>
-            </a:r>
-            <a:r>
-              <a:rPr lang="en-US" sz="2400" dirty="0" smtClean="0">
-                <a:solidFill>
-                  <a:schemeClr val="tx2">
-                    <a:lumMod val="50000"/>
-                  </a:schemeClr>
-                </a:solidFill>
-                <a:latin typeface="Times New Roman" pitchFamily="18" charset="0"/>
-                <a:cs typeface="Times New Roman" pitchFamily="18" charset="0"/>
-              </a:rPr>
-              <a:t> </a:t>
-            </a:r>
-            <a:r>
-              <a:rPr lang="en-US" sz="2400" dirty="0" err="1" smtClean="0">
-                <a:solidFill>
-                  <a:schemeClr val="tx2">
-                    <a:lumMod val="50000"/>
-                  </a:schemeClr>
-                </a:solidFill>
-                <a:latin typeface="Times New Roman" pitchFamily="18" charset="0"/>
-                <a:cs typeface="Times New Roman" pitchFamily="18" charset="0"/>
-              </a:rPr>
-              <a:t>toàn</a:t>
-            </a:r>
-            <a:r>
-              <a:rPr lang="en-US" sz="2400" dirty="0" smtClean="0">
-                <a:solidFill>
-                  <a:schemeClr val="tx2">
-                    <a:lumMod val="50000"/>
-                  </a:schemeClr>
-                </a:solidFill>
-                <a:latin typeface="Times New Roman" pitchFamily="18" charset="0"/>
-                <a:cs typeface="Times New Roman" pitchFamily="18" charset="0"/>
-              </a:rPr>
-              <a:t> </a:t>
-            </a:r>
-            <a:r>
-              <a:rPr lang="en-US" sz="2400" dirty="0" err="1" smtClean="0">
-                <a:solidFill>
-                  <a:schemeClr val="tx2">
-                    <a:lumMod val="50000"/>
-                  </a:schemeClr>
-                </a:solidFill>
-                <a:latin typeface="Times New Roman" pitchFamily="18" charset="0"/>
-                <a:cs typeface="Times New Roman" pitchFamily="18" charset="0"/>
-              </a:rPr>
-              <a:t>phân</a:t>
-            </a:r>
-            <a:r>
-              <a:rPr lang="en-US" sz="2400" dirty="0" smtClean="0">
-                <a:solidFill>
-                  <a:schemeClr val="tx2">
-                    <a:lumMod val="50000"/>
-                  </a:schemeClr>
-                </a:solidFill>
-                <a:latin typeface="Times New Roman" pitchFamily="18" charset="0"/>
-                <a:cs typeface="Times New Roman" pitchFamily="18" charset="0"/>
-              </a:rPr>
-              <a:t> </a:t>
-            </a:r>
-            <a:r>
-              <a:rPr lang="en-US" sz="2400" dirty="0" smtClean="0">
-                <a:solidFill>
-                  <a:schemeClr val="tx2">
-                    <a:lumMod val="50000"/>
-                  </a:schemeClr>
-                </a:solidFill>
-                <a:latin typeface="Times New Roman" pitchFamily="18" charset="0"/>
-                <a:cs typeface="Times New Roman" pitchFamily="18" charset="0"/>
-              </a:rPr>
-              <a:t>lớp </a:t>
-            </a:r>
-            <a:r>
-              <a:rPr lang="en-US" sz="2400" dirty="0" err="1" smtClean="0">
-                <a:solidFill>
-                  <a:schemeClr val="tx2">
-                    <a:lumMod val="50000"/>
-                  </a:schemeClr>
-                </a:solidFill>
-                <a:latin typeface="Times New Roman" pitchFamily="18" charset="0"/>
-                <a:cs typeface="Times New Roman" pitchFamily="18" charset="0"/>
-              </a:rPr>
-              <a:t>dữ</a:t>
-            </a:r>
-            <a:r>
-              <a:rPr lang="en-US" sz="2400" dirty="0" smtClean="0">
-                <a:solidFill>
-                  <a:schemeClr val="tx2">
-                    <a:lumMod val="50000"/>
-                  </a:schemeClr>
-                </a:solidFill>
-                <a:latin typeface="Times New Roman" pitchFamily="18" charset="0"/>
-                <a:cs typeface="Times New Roman" pitchFamily="18" charset="0"/>
-              </a:rPr>
-              <a:t> </a:t>
-            </a:r>
-            <a:r>
-              <a:rPr lang="en-US" sz="2400" dirty="0" err="1" smtClean="0">
-                <a:solidFill>
-                  <a:schemeClr val="tx2">
-                    <a:lumMod val="50000"/>
-                  </a:schemeClr>
-                </a:solidFill>
-                <a:latin typeface="Times New Roman" pitchFamily="18" charset="0"/>
-                <a:cs typeface="Times New Roman" pitchFamily="18" charset="0"/>
-              </a:rPr>
-              <a:t>liệu</a:t>
-            </a:r>
-            <a:r>
-              <a:rPr lang="en-US" sz="2400" dirty="0" smtClean="0">
-                <a:solidFill>
-                  <a:schemeClr val="tx2">
-                    <a:lumMod val="50000"/>
-                  </a:schemeClr>
-                </a:solidFill>
-                <a:latin typeface="Times New Roman" pitchFamily="18" charset="0"/>
-                <a:cs typeface="Times New Roman" pitchFamily="18" charset="0"/>
-              </a:rPr>
-              <a:t>).</a:t>
-            </a:r>
-            <a:endParaRPr lang="en-US" sz="2400" dirty="0" smtClean="0">
+              <a:t>Tìm hiểu về các phương pháp phân tích ý kiến (đưa về bài toàn phân lớp dữ liệu).</a:t>
+            </a:r>
+          </a:p>
+          <a:p>
+            <a:pPr marL="342900" lvl="0" indent="-342900" algn="just">
+              <a:lnSpc>
+                <a:spcPct val="150000"/>
+              </a:lnSpc>
+              <a:buFont typeface="Wingdings" pitchFamily="2" charset="2"/>
+              <a:buChar char="v"/>
+            </a:pPr>
+            <a:endParaRPr lang="vi-VN" sz="2400" dirty="0" smtClean="0">
               <a:solidFill>
                 <a:schemeClr val="tx2">
                   <a:lumMod val="50000"/>
@@ -29217,14 +28362,35 @@
             </a:endParaRPr>
           </a:p>
           <a:p>
-            <a:pPr marL="342900" lvl="0" indent="-342900">
+            <a:pPr marL="342900" lvl="0" indent="-342900" algn="just">
               <a:lnSpc>
                 <a:spcPct val="150000"/>
               </a:lnSpc>
               <a:buFont typeface="Wingdings" pitchFamily="2" charset="2"/>
               <a:buChar char="v"/>
             </a:pPr>
-            <a:endParaRPr lang="en-US" sz="2400" dirty="0" smtClean="0">
+            <a:r>
+              <a:rPr lang="vi-VN" sz="2400" dirty="0" smtClean="0">
+                <a:solidFill>
+                  <a:schemeClr val="tx2">
+                    <a:lumMod val="50000"/>
+                  </a:schemeClr>
+                </a:solidFill>
+                <a:latin typeface="Times New Roman" pitchFamily="18" charset="0"/>
+                <a:cs typeface="Times New Roman" pitchFamily="18" charset="0"/>
+              </a:rPr>
+              <a:t>Giải quyết bài toán phân tích ý kiến khảo sát chất lượng giảng dạy của giảng viên tại Trường Đại học Công Nghệ TP.HCM.</a:t>
+            </a:r>
+          </a:p>
+          <a:p>
+            <a:pPr marL="342900" lvl="0" indent="-342900" algn="just">
+              <a:lnSpc>
+                <a:spcPct val="150000"/>
+              </a:lnSpc>
+              <a:buFont typeface="Wingdings" pitchFamily="2" charset="2"/>
+              <a:buChar char="v"/>
+            </a:pPr>
+            <a:endParaRPr lang="vi-VN" sz="2400" dirty="0" smtClean="0">
               <a:solidFill>
                 <a:schemeClr val="tx2">
                   <a:lumMod val="50000"/>
@@ -29235,7 +28401,7 @@
             </a:endParaRPr>
           </a:p>
           <a:p>
-            <a:pPr marL="342900" lvl="0" indent="-342900">
+            <a:pPr marL="342900" lvl="0" indent="-342900" algn="just">
               <a:lnSpc>
                 <a:spcPct val="150000"/>
               </a:lnSpc>
@@ -29243,46 +28409,7 @@
               <a:buChar char="v"/>
             </a:pPr>
             <a:r>
-              <a:rPr lang="en-US" sz="2400" dirty="0" smtClean="0">
-                <a:solidFill>
-                  <a:schemeClr val="tx2">
-                    <a:lumMod val="50000"/>
-                  </a:schemeClr>
-                </a:solidFill>
-                <a:latin typeface="Times New Roman" pitchFamily="18" charset="0"/>
-                <a:cs typeface="Times New Roman" pitchFamily="18" charset="0"/>
-              </a:rPr>
-              <a:t>Giải quyết bài toán phân tích ý kiến khảo sát chất lượng giảng dạy của giảng viên tại Trường Đại học Công Nghệ TP.HCM.</a:t>
-            </a:r>
-          </a:p>
-          <a:p>
-            <a:pPr marL="342900" lvl="0" indent="-342900">
-              <a:lnSpc>
-                <a:spcPct val="150000"/>
-              </a:lnSpc>
-              <a:buFont typeface="Wingdings" pitchFamily="2" charset="2"/>
-              <a:buChar char="v"/>
-            </a:pPr>
-            <a:endParaRPr lang="en-US" sz="2400" dirty="0" smtClean="0">
-              <a:solidFill>
-                <a:schemeClr val="tx2">
-                  <a:lumMod val="50000"/>
-                </a:schemeClr>
-              </a:solidFill>
-              <a:latin typeface="Times New Roman" pitchFamily="18" charset="0"/>
-              <a:cs typeface="Times New Roman" pitchFamily="18" charset="0"/>
-            </a:endParaRPr>
-          </a:p>
-          <a:p>
-            <a:pPr marL="342900" lvl="0" indent="-342900">
-              <a:lnSpc>
-                <a:spcPct val="150000"/>
-              </a:lnSpc>
-              <a:buFont typeface="Wingdings" pitchFamily="2" charset="2"/>
-              <a:buChar char="v"/>
-            </a:pPr>
-            <a:r>
-              <a:rPr lang="en-US" sz="2400" dirty="0" smtClean="0">
+              <a:rPr lang="vi-VN" sz="2400" dirty="0" smtClean="0">
                 <a:solidFill>
                   <a:schemeClr val="tx2">
                     <a:lumMod val="50000"/>
@@ -29293,7 +28420,7 @@
               </a:rPr>
               <a:t>So sánh độ hiệu quả của các phương pháp phân lớp khác nhau trên bài toán phân tích ý kiến khảo sát chất lượng giảng dạy.</a:t>
             </a:r>
-            <a:endParaRPr lang="en-US" sz="2400" dirty="0">
+            <a:endParaRPr lang="vi-VN" sz="2400" dirty="0">
               <a:solidFill>
                 <a:schemeClr val="tx2">
                   <a:lumMod val="50000"/>
@@ -29467,7 +28594,7 @@
           </a:bodyPr>
           <a:lstStyle/>
           <a:p>
-            <a:pPr>
+            <a:pPr algn="just">
               <a:lnSpc>
                 <a:spcPct val="200000"/>
               </a:lnSpc>
@@ -29531,7 +28658,7 @@
             </a:endParaRPr>
           </a:p>
           <a:p>
-            <a:pPr marL="342900" indent="-342900">
+            <a:pPr marL="342900" indent="-342900" algn="just">
               <a:lnSpc>
                 <a:spcPct val="200000"/>
               </a:lnSpc>
@@ -29585,7 +28712,7 @@
             </a:endParaRPr>
           </a:p>
           <a:p>
-            <a:pPr marL="342900" indent="-342900">
+            <a:pPr marL="342900" indent="-342900" algn="just">
               <a:lnSpc>
                 <a:spcPct val="200000"/>
               </a:lnSpc>
@@ -29639,7 +28766,7 @@
             </a:endParaRPr>
           </a:p>
           <a:p>
-            <a:pPr marL="342900" indent="-342900">
+            <a:pPr marL="342900" indent="-342900" algn="just">
               <a:lnSpc>
                 <a:spcPct val="200000"/>
               </a:lnSpc>
@@ -29693,7 +28820,7 @@
             </a:endParaRPr>
           </a:p>
           <a:p>
-            <a:pPr marL="342900" indent="-342900">
+            <a:pPr marL="342900" indent="-342900" algn="just">
               <a:lnSpc>
                 <a:spcPct val="200000"/>
               </a:lnSpc>
@@ -29919,7 +29046,7 @@
           </a:bodyPr>
           <a:lstStyle/>
           <a:p>
-            <a:pPr marL="342900" indent="-342900">
+            <a:pPr marL="342900" indent="-342900" algn="just">
               <a:lnSpc>
                 <a:spcPct val="150000"/>
               </a:lnSpc>
@@ -29973,7 +29100,7 @@
             </a:endParaRPr>
           </a:p>
           <a:p>
-            <a:pPr marL="342900" indent="-342900">
+            <a:pPr marL="342900" indent="-342900" algn="just">
               <a:lnSpc>
                 <a:spcPct val="150000"/>
               </a:lnSpc>
@@ -29991,7 +29118,7 @@
             </a:endParaRPr>
           </a:p>
           <a:p>
-            <a:pPr marL="342900" indent="-342900">
+            <a:pPr marL="342900" indent="-342900" algn="just">
               <a:lnSpc>
                 <a:spcPct val="150000"/>
               </a:lnSpc>
@@ -30628,7 +29755,7 @@
   </a:extraClrSchemeLst>
   <a:extLst>
     <a:ext uri="{05A4C25C-085E-4340-85A3-A5531E510DB2}">
-      <thm15:themeFamily xmlns="" xmlns:thm15="http://schemas.microsoft.com/office/thememl/2012/main" name="574TGp_natural_light.potx" id="{66D8022D-6F9F-4C9B-94EF-88C6969B74D4}" vid="{FDA5D0AE-BF4D-42F2-A8C7-09CB49CD2508}"/>
+      <thm15:themeFamily xmlns:thm15="http://schemas.microsoft.com/office/thememl/2012/main" xmlns="" name="574TGp_natural_light.potx" id="{66D8022D-6F9F-4C9B-94EF-88C6969B74D4}" vid="{FDA5D0AE-BF4D-42F2-A8C7-09CB49CD2508}"/>
     </a:ext>
   </a:extLst>
 </a:theme>
